--- a/demo.pptx
+++ b/demo.pptx
@@ -23,15 +23,15 @@
   <p:notesSz cx="6858000" cy="9144000"/>
   <p:embeddedFontLst>
     <p:embeddedFont>
-      <p:font typeface="Calibri" panose="020F0502020204030204" pitchFamily="34" charset="0"/>
+      <p:font typeface="Fira Sans Bold" panose="020B0604020202020204" charset="0"/>
       <p:regular r:id="rId13"/>
-      <p:bold r:id="rId14"/>
-      <p:italic r:id="rId15"/>
-      <p:boldItalic r:id="rId16"/>
     </p:embeddedFont>
     <p:embeddedFont>
-      <p:font typeface="Fira Sans Bold" panose="020B0604020202020204" charset="0"/>
-      <p:regular r:id="rId17"/>
+      <p:font typeface="Calibri" panose="020F0502020204030204" pitchFamily="34" charset="0"/>
+      <p:regular r:id="rId14"/>
+      <p:bold r:id="rId15"/>
+      <p:italic r:id="rId16"/>
+      <p:boldItalic r:id="rId17"/>
     </p:embeddedFont>
   </p:embeddedFontLst>
   <p:defaultTextStyle>
@@ -4288,7 +4288,7 @@
         </p:nvSpPr>
         <p:spPr>
           <a:xfrm>
-            <a:off x="3905794" y="2413473"/>
+            <a:off x="3644537" y="2413473"/>
             <a:ext cx="6381206" cy="464871"/>
           </a:xfrm>
           <a:prstGeom prst="rect">
@@ -6172,7 +6172,7 @@
         </p:blipFill>
         <p:spPr>
           <a:xfrm>
-            <a:off x="4917809" y="7253437"/>
+            <a:off x="5253023" y="6728028"/>
             <a:ext cx="2934276" cy="985674"/>
           </a:xfrm>
           <a:prstGeom prst="rect">
@@ -6214,7 +6214,7 @@
         </p:blipFill>
         <p:spPr>
           <a:xfrm>
-            <a:off x="9113586" y="6631863"/>
+            <a:off x="9448800" y="6106454"/>
             <a:ext cx="1943318" cy="1901072"/>
           </a:xfrm>
           <a:prstGeom prst="rect">
@@ -6230,7 +6230,7 @@
         </p:nvSpPr>
         <p:spPr>
           <a:xfrm>
-            <a:off x="7818980" y="7631974"/>
+            <a:off x="8154194" y="7106565"/>
             <a:ext cx="875724" cy="228600"/>
           </a:xfrm>
           <a:prstGeom prst="rightArrow">
@@ -6270,7 +6270,7 @@
         </p:nvCxnSpPr>
         <p:spPr>
           <a:xfrm>
-            <a:off x="11475786" y="7734300"/>
+            <a:off x="11811000" y="7208891"/>
             <a:ext cx="1524000" cy="798635"/>
           </a:xfrm>
           <a:prstGeom prst="bentConnector3">
@@ -6303,7 +6303,7 @@
         </p:nvCxnSpPr>
         <p:spPr>
           <a:xfrm flipV="1">
-            <a:off x="11475786" y="6860463"/>
+            <a:off x="11811000" y="6335054"/>
             <a:ext cx="1524000" cy="885811"/>
           </a:xfrm>
           <a:prstGeom prst="bentConnector3">
@@ -6361,7 +6361,7 @@
         </p:blipFill>
         <p:spPr>
           <a:xfrm>
-            <a:off x="12999786" y="6720134"/>
+            <a:off x="13335000" y="6194725"/>
             <a:ext cx="2841712" cy="954580"/>
           </a:xfrm>
           <a:prstGeom prst="rect">
@@ -6395,7 +6395,7 @@
         </p:blipFill>
         <p:spPr bwMode="auto">
           <a:xfrm>
-            <a:off x="13716000" y="7734300"/>
+            <a:off x="14051214" y="7208891"/>
             <a:ext cx="1594412" cy="1594412"/>
           </a:xfrm>
           <a:prstGeom prst="rect">
@@ -6465,7 +6465,7 @@
         </p:nvSpPr>
         <p:spPr>
           <a:xfrm>
-            <a:off x="2402885" y="7348544"/>
+            <a:off x="2738099" y="6823135"/>
             <a:ext cx="1388777" cy="771511"/>
           </a:xfrm>
           <a:prstGeom prst="ellipse">
@@ -6517,7 +6517,7 @@
         </p:nvSpPr>
         <p:spPr>
           <a:xfrm>
-            <a:off x="4251091" y="7631974"/>
+            <a:off x="4586305" y="7106565"/>
             <a:ext cx="875724" cy="228600"/>
           </a:xfrm>
           <a:prstGeom prst="rightArrow">
@@ -6571,7 +6571,7 @@
         </p:blipFill>
         <p:spPr>
           <a:xfrm>
-            <a:off x="13801464" y="5981700"/>
+            <a:off x="14136678" y="5456291"/>
             <a:ext cx="1238355" cy="1010765"/>
           </a:xfrm>
           <a:prstGeom prst="rect">
@@ -6579,6 +6579,39 @@
           </a:prstGeom>
         </p:spPr>
       </p:pic>
+      <p:sp>
+        <p:nvSpPr>
+          <p:cNvPr id="17" name="Rectangle 16"/>
+          <p:cNvSpPr/>
+          <p:nvPr/>
+        </p:nvSpPr>
+        <p:spPr>
+          <a:xfrm>
+            <a:off x="12146214" y="8094702"/>
+            <a:ext cx="1418844" cy="400110"/>
+          </a:xfrm>
+          <a:prstGeom prst="rect">
+            <a:avLst/>
+          </a:prstGeom>
+        </p:spPr>
+        <p:txBody>
+          <a:bodyPr wrap="square">
+            <a:spAutoFit/>
+          </a:bodyPr>
+          <a:lstStyle/>
+          <a:p>
+            <a:r>
+              <a:rPr lang="en-US" sz="2000" b="1" dirty="0" smtClean="0">
+                <a:latin typeface="+mj-lt"/>
+              </a:rPr>
+              <a:t>ETL Offload</a:t>
+            </a:r>
+            <a:endParaRPr lang="en-US" sz="2000" b="1" dirty="0">
+              <a:latin typeface="+mj-lt"/>
+            </a:endParaRPr>
+          </a:p>
+        </p:txBody>
+      </p:sp>
     </p:spTree>
     <p:extLst>
       <p:ext uri="{BB962C8B-B14F-4D97-AF65-F5344CB8AC3E}">
